--- a/Microsoft Original Content.pptx
+++ b/Microsoft Original Content.pptx
@@ -9834,7 +9834,7 @@
           <a:effectLst/>
           <a:extLst>
             <a:ext uri="{91240B29-F687-4f45-9708-019B960494DF}">
-              <a14:hiddenLine xmlns:a14="http://schemas.microsoft.com/office/drawing/2010/main" xmlns="" w="9525">
+              <a14:hiddenLine xmlns="" xmlns:a14="http://schemas.microsoft.com/office/drawing/2010/main" w="9525">
                 <a:solidFill>
                   <a:srgbClr val="000000"/>
                 </a:solidFill>
@@ -10026,7 +10026,7 @@
           <a:p>
             <a:fld id="{4AAD347D-5ACD-4C99-B74B-A9C85AD731AF}" type="datetimeFigureOut">
               <a:rPr lang="en-US" smtClean="0"/>
-              <a:t>6/16/22</a:t>
+              <a:t>6/19/22</a:t>
             </a:fld>
             <a:endParaRPr lang="en-US" dirty="0"/>
           </a:p>
@@ -10344,7 +10344,7 @@
           <a:p>
             <a:fld id="{4AAD347D-5ACD-4C99-B74B-A9C85AD731AF}" type="datetimeFigureOut">
               <a:rPr lang="en-US" smtClean="0"/>
-              <a:t>6/16/22</a:t>
+              <a:t>6/19/22</a:t>
             </a:fld>
             <a:endParaRPr lang="en-US" dirty="0"/>
           </a:p>
@@ -10833,7 +10833,7 @@
           <a:p>
             <a:fld id="{4AAD347D-5ACD-4C99-B74B-A9C85AD731AF}" type="datetimeFigureOut">
               <a:rPr lang="en-US" smtClean="0"/>
-              <a:t>6/16/22</a:t>
+              <a:t>6/19/22</a:t>
             </a:fld>
             <a:endParaRPr lang="en-US" dirty="0"/>
           </a:p>
@@ -11203,7 +11203,7 @@
           <a:p>
             <a:fld id="{4AAD347D-5ACD-4C99-B74B-A9C85AD731AF}" type="datetimeFigureOut">
               <a:rPr lang="en-US" smtClean="0"/>
-              <a:t>6/16/22</a:t>
+              <a:t>6/19/22</a:t>
             </a:fld>
             <a:endParaRPr lang="en-US" dirty="0"/>
           </a:p>
@@ -11359,7 +11359,7 @@
           <a:ln/>
           <a:extLst>
             <a:ext uri="{91240B29-F687-4f45-9708-019B960494DF}">
-              <a14:hiddenLine xmlns:a14="http://schemas.microsoft.com/office/drawing/2010/main" xmlns="" w="9525">
+              <a14:hiddenLine xmlns="" xmlns:a14="http://schemas.microsoft.com/office/drawing/2010/main" w="9525">
                 <a:solidFill>
                   <a:srgbClr val="000000"/>
                 </a:solidFill>
@@ -11477,7 +11477,7 @@
           <a:p>
             <a:fld id="{4AAD347D-5ACD-4C99-B74B-A9C85AD731AF}" type="datetimeFigureOut">
               <a:rPr lang="en-US" smtClean="0"/>
-              <a:t>6/16/22</a:t>
+              <a:t>6/19/22</a:t>
             </a:fld>
             <a:endParaRPr lang="en-US" dirty="0"/>
           </a:p>
@@ -11635,7 +11635,7 @@
           <a:ln/>
           <a:extLst>
             <a:ext uri="{91240B29-F687-4f45-9708-019B960494DF}">
-              <a14:hiddenLine xmlns:a14="http://schemas.microsoft.com/office/drawing/2010/main" xmlns="" w="9525">
+              <a14:hiddenLine xmlns="" xmlns:a14="http://schemas.microsoft.com/office/drawing/2010/main" w="9525">
                 <a:solidFill>
                   <a:srgbClr val="000000"/>
                 </a:solidFill>
@@ -11763,7 +11763,7 @@
           <a:p>
             <a:fld id="{4AAD347D-5ACD-4C99-B74B-A9C85AD731AF}" type="datetimeFigureOut">
               <a:rPr lang="en-US" smtClean="0"/>
-              <a:t>6/16/22</a:t>
+              <a:t>6/19/22</a:t>
             </a:fld>
             <a:endParaRPr lang="en-US" dirty="0"/>
           </a:p>
@@ -11919,7 +11919,7 @@
           <a:ln/>
           <a:extLst>
             <a:ext uri="{91240B29-F687-4f45-9708-019B960494DF}">
-              <a14:hiddenLine xmlns:a14="http://schemas.microsoft.com/office/drawing/2010/main" xmlns="" w="9525">
+              <a14:hiddenLine xmlns="" xmlns:a14="http://schemas.microsoft.com/office/drawing/2010/main" w="9525">
                 <a:solidFill>
                   <a:srgbClr val="000000"/>
                 </a:solidFill>
@@ -12047,7 +12047,7 @@
           <a:p>
             <a:fld id="{4AAD347D-5ACD-4C99-B74B-A9C85AD731AF}" type="datetimeFigureOut">
               <a:rPr lang="en-US" smtClean="0"/>
-              <a:t>6/16/22</a:t>
+              <a:t>6/19/22</a:t>
             </a:fld>
             <a:endParaRPr lang="en-US" dirty="0"/>
           </a:p>
@@ -12391,7 +12391,7 @@
           <a:p>
             <a:fld id="{9796027F-7875-4030-9381-8BD8C4F21935}" type="datetimeFigureOut">
               <a:rPr lang="en-US" smtClean="0"/>
-              <a:t>6/16/22</a:t>
+              <a:t>6/19/22</a:t>
             </a:fld>
             <a:endParaRPr lang="en-US" dirty="0"/>
           </a:p>
@@ -12546,7 +12546,7 @@
           <a:ln/>
           <a:extLst>
             <a:ext uri="{91240B29-F687-4f45-9708-019B960494DF}">
-              <a14:hiddenLine xmlns:a14="http://schemas.microsoft.com/office/drawing/2010/main" xmlns="" w="9525">
+              <a14:hiddenLine xmlns="" xmlns:a14="http://schemas.microsoft.com/office/drawing/2010/main" w="9525">
                 <a:solidFill>
                   <a:srgbClr val="000000"/>
                 </a:solidFill>
@@ -12730,7 +12730,7 @@
           <a:p>
             <a:fld id="{4AAD347D-5ACD-4C99-B74B-A9C85AD731AF}" type="datetimeFigureOut">
               <a:rPr lang="en-US" smtClean="0"/>
-              <a:t>6/16/22</a:t>
+              <a:t>6/19/22</a:t>
             </a:fld>
             <a:endParaRPr lang="en-US" dirty="0"/>
           </a:p>
@@ -12886,7 +12886,7 @@
           <a:ln/>
           <a:extLst>
             <a:ext uri="{91240B29-F687-4f45-9708-019B960494DF}">
-              <a14:hiddenLine xmlns:a14="http://schemas.microsoft.com/office/drawing/2010/main" xmlns="" w="9525">
+              <a14:hiddenLine xmlns="" xmlns:a14="http://schemas.microsoft.com/office/drawing/2010/main" w="9525">
                 <a:solidFill>
                   <a:srgbClr val="000000"/>
                 </a:solidFill>
@@ -13208,7 +13208,7 @@
           <a:p>
             <a:fld id="{4AAD347D-5ACD-4C99-B74B-A9C85AD731AF}" type="datetimeFigureOut">
               <a:rPr lang="en-US" smtClean="0"/>
-              <a:t>6/16/22</a:t>
+              <a:t>6/19/22</a:t>
             </a:fld>
             <a:endParaRPr lang="en-US" dirty="0"/>
           </a:p>
@@ -13364,7 +13364,7 @@
           <a:ln/>
           <a:extLst>
             <a:ext uri="{91240B29-F687-4f45-9708-019B960494DF}">
-              <a14:hiddenLine xmlns:a14="http://schemas.microsoft.com/office/drawing/2010/main" xmlns="" w="9525">
+              <a14:hiddenLine xmlns="" xmlns:a14="http://schemas.microsoft.com/office/drawing/2010/main" w="9525">
                 <a:solidFill>
                   <a:srgbClr val="000000"/>
                 </a:solidFill>
@@ -13430,7 +13430,7 @@
           <a:p>
             <a:fld id="{4509A250-FF31-4206-8172-F9D3106AACB1}" type="datetimeFigureOut">
               <a:rPr lang="en-US" smtClean="0"/>
-              <a:t>6/16/22</a:t>
+              <a:t>6/19/22</a:t>
             </a:fld>
             <a:endParaRPr lang="en-US" dirty="0"/>
           </a:p>
@@ -13525,7 +13525,7 @@
           <a:p>
             <a:fld id="{4509A250-FF31-4206-8172-F9D3106AACB1}" type="datetimeFigureOut">
               <a:rPr lang="en-US" smtClean="0"/>
-              <a:t>6/16/22</a:t>
+              <a:t>6/19/22</a:t>
             </a:fld>
             <a:endParaRPr lang="en-US" dirty="0"/>
           </a:p>
@@ -13793,7 +13793,7 @@
           <a:ln/>
           <a:extLst>
             <a:ext uri="{91240B29-F687-4f45-9708-019B960494DF}">
-              <a14:hiddenLine xmlns:a14="http://schemas.microsoft.com/office/drawing/2010/main" xmlns="" w="9525">
+              <a14:hiddenLine xmlns="" xmlns:a14="http://schemas.microsoft.com/office/drawing/2010/main" w="9525">
                 <a:solidFill>
                   <a:srgbClr val="000000"/>
                 </a:solidFill>
@@ -13992,7 +13992,7 @@
           <a:p>
             <a:fld id="{4AAD347D-5ACD-4C99-B74B-A9C85AD731AF}" type="datetimeFigureOut">
               <a:rPr lang="en-US" smtClean="0"/>
-              <a:t>6/16/22</a:t>
+              <a:t>6/19/22</a:t>
             </a:fld>
             <a:endParaRPr lang="en-US" dirty="0"/>
           </a:p>
@@ -14306,7 +14306,7 @@
           <a:p>
             <a:fld id="{4AAD347D-5ACD-4C99-B74B-A9C85AD731AF}" type="datetimeFigureOut">
               <a:rPr lang="en-US" smtClean="0"/>
-              <a:t>6/16/22</a:t>
+              <a:t>6/19/22</a:t>
             </a:fld>
             <a:endParaRPr lang="en-US" dirty="0"/>
           </a:p>
@@ -14577,7 +14577,7 @@
           <a:p>
             <a:fld id="{4AAD347D-5ACD-4C99-B74B-A9C85AD731AF}" type="datetimeFigureOut">
               <a:rPr lang="en-US" smtClean="0"/>
-              <a:t>6/16/22</a:t>
+              <a:t>6/19/22</a:t>
             </a:fld>
             <a:endParaRPr lang="en-US" dirty="0"/>
           </a:p>
@@ -15310,8 +15310,8 @@
           </a:p>
         </p:txBody>
       </p:sp>
-      <mc:AlternateContent xmlns:mc="http://schemas.openxmlformats.org/markup-compatibility/2006">
-        <mc:Choice xmlns:cx1="http://schemas.microsoft.com/office/drawing/2015/9/8/chartex" Requires="cx1">
+      <mc:AlternateContent xmlns:mc="http://schemas.openxmlformats.org/markup-compatibility/2006" xmlns:cx1="http://schemas.microsoft.com/office/drawing/2015/9/8/chartex">
+        <mc:Choice Requires="cx1">
           <p:graphicFrame>
             <p:nvGraphicFramePr>
               <p:cNvPr id="15" name="Content Placeholder 14">
@@ -15339,7 +15339,7 @@
             </a:graphic>
           </p:graphicFrame>
         </mc:Choice>
-        <mc:Fallback>
+        <mc:Fallback xmlns="">
           <p:pic>
             <p:nvPicPr>
               <p:cNvPr id="15" name="Content Placeholder 14">
@@ -15372,8 +15372,8 @@
           </p:pic>
         </mc:Fallback>
       </mc:AlternateContent>
-      <mc:AlternateContent xmlns:mc="http://schemas.openxmlformats.org/markup-compatibility/2006">
-        <mc:Choice xmlns:cx1="http://schemas.microsoft.com/office/drawing/2015/9/8/chartex" Requires="cx1">
+      <mc:AlternateContent xmlns:mc="http://schemas.openxmlformats.org/markup-compatibility/2006" xmlns:cx1="http://schemas.microsoft.com/office/drawing/2015/9/8/chartex">
+        <mc:Choice Requires="cx1">
           <p:graphicFrame>
             <p:nvGraphicFramePr>
               <p:cNvPr id="16" name="Chart 15">
@@ -15397,7 +15397,7 @@
             </a:graphic>
           </p:graphicFrame>
         </mc:Choice>
-        <mc:Fallback>
+        <mc:Fallback xmlns="">
           <p:pic>
             <p:nvPicPr>
               <p:cNvPr id="16" name="Chart 15">
@@ -15555,7 +15555,7 @@
           <a:effectLst/>
           <a:extLst>
             <a:ext uri="{91240B29-F687-4f45-9708-019B960494DF}">
-              <a14:hiddenLine xmlns="" xmlns:a14="http://schemas.microsoft.com/office/drawing/2010/main" xmlns:p14="http://schemas.microsoft.com/office/powerpoint/2010/main" xmlns:a16="http://schemas.microsoft.com/office/drawing/2014/main" w="9525">
+              <a14:hiddenLine xmlns:a16="http://schemas.microsoft.com/office/drawing/2014/main" xmlns:p14="http://schemas.microsoft.com/office/powerpoint/2010/main" xmlns:a14="http://schemas.microsoft.com/office/drawing/2010/main" xmlns="" w="9525">
                 <a:solidFill>
                   <a:srgbClr val="000000"/>
                 </a:solidFill>
@@ -16839,7 +16839,7 @@
           <a:effectLst/>
           <a:extLst>
             <a:ext uri="{91240B29-F687-4f45-9708-019B960494DF}">
-              <a14:hiddenLine xmlns="" xmlns:a16="http://schemas.microsoft.com/office/drawing/2014/main" xmlns:p14="http://schemas.microsoft.com/office/powerpoint/2010/main" xmlns:a14="http://schemas.microsoft.com/office/drawing/2010/main" w="9525">
+              <a14:hiddenLine xmlns:a14="http://schemas.microsoft.com/office/drawing/2010/main" xmlns:p14="http://schemas.microsoft.com/office/powerpoint/2010/main" xmlns:a16="http://schemas.microsoft.com/office/drawing/2014/main" xmlns="" w="9525">
                 <a:solidFill>
                   <a:srgbClr val="000000"/>
                 </a:solidFill>
@@ -18673,7 +18673,7 @@
           <a:effectLst/>
           <a:extLst>
             <a:ext uri="{91240B29-F687-4f45-9708-019B960494DF}">
-              <a14:hiddenLine xmlns="" xmlns:a16="http://schemas.microsoft.com/office/drawing/2014/main" xmlns:p14="http://schemas.microsoft.com/office/powerpoint/2010/main" xmlns:a14="http://schemas.microsoft.com/office/drawing/2010/main" w="9525">
+              <a14:hiddenLine xmlns:a14="http://schemas.microsoft.com/office/drawing/2010/main" xmlns:p14="http://schemas.microsoft.com/office/powerpoint/2010/main" xmlns:a16="http://schemas.microsoft.com/office/drawing/2014/main" xmlns="" w="9525">
                 <a:solidFill>
                   <a:srgbClr val="000000"/>
                 </a:solidFill>
@@ -19136,8 +19136,8 @@
           </a:p>
         </p:txBody>
       </p:sp>
-      <mc:AlternateContent xmlns:mc="http://schemas.openxmlformats.org/markup-compatibility/2006">
-        <mc:Choice xmlns:cx1="http://schemas.microsoft.com/office/drawing/2015/9/8/chartex" Requires="cx1">
+      <mc:AlternateContent xmlns:mc="http://schemas.openxmlformats.org/markup-compatibility/2006" xmlns:cx1="http://schemas.microsoft.com/office/drawing/2015/9/8/chartex">
+        <mc:Choice Requires="cx1">
           <p:graphicFrame>
             <p:nvGraphicFramePr>
               <p:cNvPr id="8" name="Content Placeholder 7">
@@ -19170,7 +19170,7 @@
             </a:graphic>
           </p:graphicFrame>
         </mc:Choice>
-        <mc:Fallback>
+        <mc:Fallback xmlns="">
           <p:pic>
             <p:nvPicPr>
               <p:cNvPr id="8" name="Content Placeholder 7">
@@ -19203,8 +19203,8 @@
           </p:pic>
         </mc:Fallback>
       </mc:AlternateContent>
-      <mc:AlternateContent xmlns:mc="http://schemas.openxmlformats.org/markup-compatibility/2006">
-        <mc:Choice xmlns:cx1="http://schemas.microsoft.com/office/drawing/2015/9/8/chartex" Requires="cx1">
+      <mc:AlternateContent xmlns:mc="http://schemas.openxmlformats.org/markup-compatibility/2006" xmlns:cx1="http://schemas.microsoft.com/office/drawing/2015/9/8/chartex">
+        <mc:Choice Requires="cx1">
           <p:graphicFrame>
             <p:nvGraphicFramePr>
               <p:cNvPr id="9" name="Chart 8">
@@ -19234,7 +19234,7 @@
             </a:graphic>
           </p:graphicFrame>
         </mc:Choice>
-        <mc:Fallback>
+        <mc:Fallback xmlns="">
           <p:pic>
             <p:nvPicPr>
               <p:cNvPr id="9" name="Chart 8">
@@ -19466,8 +19466,8 @@
           </a:p>
         </p:txBody>
       </p:sp>
-      <mc:AlternateContent xmlns:mc="http://schemas.openxmlformats.org/markup-compatibility/2006">
-        <mc:Choice xmlns:cx1="http://schemas.microsoft.com/office/drawing/2015/9/8/chartex" Requires="cx1">
+      <mc:AlternateContent xmlns:mc="http://schemas.openxmlformats.org/markup-compatibility/2006" xmlns:cx1="http://schemas.microsoft.com/office/drawing/2015/9/8/chartex">
+        <mc:Choice Requires="cx1">
           <p:graphicFrame>
             <p:nvGraphicFramePr>
               <p:cNvPr id="15" name="Content Placeholder 14">
@@ -19500,7 +19500,7 @@
             </a:graphic>
           </p:graphicFrame>
         </mc:Choice>
-        <mc:Fallback>
+        <mc:Fallback xmlns="">
           <p:pic>
             <p:nvPicPr>
               <p:cNvPr id="15" name="Content Placeholder 14">
@@ -19533,8 +19533,8 @@
           </p:pic>
         </mc:Fallback>
       </mc:AlternateContent>
-      <mc:AlternateContent xmlns:mc="http://schemas.openxmlformats.org/markup-compatibility/2006">
-        <mc:Choice xmlns:cx1="http://schemas.microsoft.com/office/drawing/2015/9/8/chartex" Requires="cx1">
+      <mc:AlternateContent xmlns:mc="http://schemas.openxmlformats.org/markup-compatibility/2006" xmlns:cx1="http://schemas.microsoft.com/office/drawing/2015/9/8/chartex">
+        <mc:Choice Requires="cx1">
           <p:graphicFrame>
             <p:nvGraphicFramePr>
               <p:cNvPr id="16" name="Chart 15">
@@ -19564,7 +19564,7 @@
             </a:graphic>
           </p:graphicFrame>
         </mc:Choice>
-        <mc:Fallback>
+        <mc:Fallback xmlns="">
           <p:pic>
             <p:nvPicPr>
               <p:cNvPr id="16" name="Chart 15">
@@ -19919,8 +19919,8 @@
           </a:p>
         </p:txBody>
       </p:sp>
-      <mc:AlternateContent xmlns:mc="http://schemas.openxmlformats.org/markup-compatibility/2006">
-        <mc:Choice xmlns:cx1="http://schemas.microsoft.com/office/drawing/2015/9/8/chartex" Requires="cx1">
+      <mc:AlternateContent xmlns:mc="http://schemas.openxmlformats.org/markup-compatibility/2006" xmlns:cx1="http://schemas.microsoft.com/office/drawing/2015/9/8/chartex">
+        <mc:Choice Requires="cx1">
           <p:graphicFrame>
             <p:nvGraphicFramePr>
               <p:cNvPr id="8" name="Content Placeholder 7">
@@ -19948,7 +19948,7 @@
             </a:graphic>
           </p:graphicFrame>
         </mc:Choice>
-        <mc:Fallback>
+        <mc:Fallback xmlns="">
           <p:pic>
             <p:nvPicPr>
               <p:cNvPr id="8" name="Content Placeholder 7">
@@ -19981,8 +19981,8 @@
           </p:pic>
         </mc:Fallback>
       </mc:AlternateContent>
-      <mc:AlternateContent xmlns:mc="http://schemas.openxmlformats.org/markup-compatibility/2006">
-        <mc:Choice xmlns:cx1="http://schemas.microsoft.com/office/drawing/2015/9/8/chartex" Requires="cx1">
+      <mc:AlternateContent xmlns:mc="http://schemas.openxmlformats.org/markup-compatibility/2006" xmlns:cx1="http://schemas.microsoft.com/office/drawing/2015/9/8/chartex">
+        <mc:Choice Requires="cx1">
           <p:graphicFrame>
             <p:nvGraphicFramePr>
               <p:cNvPr id="9" name="Chart 8">
@@ -20006,7 +20006,7 @@
             </a:graphic>
           </p:graphicFrame>
         </mc:Choice>
-        <mc:Fallback>
+        <mc:Fallback xmlns="">
           <p:pic>
             <p:nvPicPr>
               <p:cNvPr id="9" name="Chart 8">
